--- a/需求变更/需求变更.pptx
+++ b/需求变更/需求变更.pptx
@@ -16,6 +16,7 @@
     <p:sldId id="264" r:id="rId10"/>
     <p:sldId id="265" r:id="rId11"/>
     <p:sldId id="266" r:id="rId12"/>
+    <p:sldId id="267" r:id="rId13"/>
   </p:sldIdLst>
   <p:sldSz cx="12192000" cy="6858000"/>
   <p:notesSz cx="6858000" cy="9144000"/>
@@ -114,6 +115,11 @@
       </a:defRPr>
     </a:lvl9pPr>
   </p:defaultTextStyle>
+  <p:extLst>
+    <p:ext uri="{EFAFB233-063F-42B5-8137-9DF3F51BA10A}">
+      <p15:sldGuideLst xmlns:p15="http://schemas.microsoft.com/office/powerpoint/2012/main"/>
+    </p:ext>
+  </p:extLst>
 </p:presentation>
 </file>
 
@@ -481,7 +487,7 @@
           <a:p>
             <a:fld id="{81BAF71E-E141-4CCB-B802-F59941D02D15}" type="datetimeFigureOut">
               <a:rPr lang="zh-CN" altLang="en-US" smtClean="0"/>
-              <a:t>2024/6/10</a:t>
+              <a:t>2024/6/16</a:t>
             </a:fld>
             <a:endParaRPr lang="zh-CN" altLang="en-US"/>
           </a:p>
@@ -689,7 +695,7 @@
           <a:p>
             <a:fld id="{81BAF71E-E141-4CCB-B802-F59941D02D15}" type="datetimeFigureOut">
               <a:rPr lang="zh-CN" altLang="en-US" smtClean="0"/>
-              <a:t>2024/6/10</a:t>
+              <a:t>2024/6/16</a:t>
             </a:fld>
             <a:endParaRPr lang="zh-CN" altLang="en-US"/>
           </a:p>
@@ -945,7 +951,7 @@
           <a:p>
             <a:fld id="{81BAF71E-E141-4CCB-B802-F59941D02D15}" type="datetimeFigureOut">
               <a:rPr lang="zh-CN" altLang="en-US" smtClean="0"/>
-              <a:t>2024/6/10</a:t>
+              <a:t>2024/6/16</a:t>
             </a:fld>
             <a:endParaRPr lang="zh-CN" altLang="en-US"/>
           </a:p>
@@ -1119,7 +1125,7 @@
           <a:p>
             <a:fld id="{81BAF71E-E141-4CCB-B802-F59941D02D15}" type="datetimeFigureOut">
               <a:rPr lang="zh-CN" altLang="en-US" smtClean="0"/>
-              <a:t>2024/6/10</a:t>
+              <a:t>2024/6/16</a:t>
             </a:fld>
             <a:endParaRPr lang="zh-CN" altLang="en-US"/>
           </a:p>
@@ -1462,7 +1468,7 @@
           <a:p>
             <a:fld id="{81BAF71E-E141-4CCB-B802-F59941D02D15}" type="datetimeFigureOut">
               <a:rPr lang="zh-CN" altLang="en-US" smtClean="0"/>
-              <a:t>2024/6/10</a:t>
+              <a:t>2024/6/16</a:t>
             </a:fld>
             <a:endParaRPr lang="zh-CN" altLang="en-US"/>
           </a:p>
@@ -1737,7 +1743,7 @@
           <a:p>
             <a:fld id="{81BAF71E-E141-4CCB-B802-F59941D02D15}" type="datetimeFigureOut">
               <a:rPr lang="zh-CN" altLang="en-US" smtClean="0"/>
-              <a:t>2024/6/10</a:t>
+              <a:t>2024/6/16</a:t>
             </a:fld>
             <a:endParaRPr lang="zh-CN" altLang="en-US"/>
           </a:p>
@@ -2116,7 +2122,7 @@
           <a:p>
             <a:fld id="{81BAF71E-E141-4CCB-B802-F59941D02D15}" type="datetimeFigureOut">
               <a:rPr lang="zh-CN" altLang="en-US" smtClean="0"/>
-              <a:t>2024/6/10</a:t>
+              <a:t>2024/6/16</a:t>
             </a:fld>
             <a:endParaRPr lang="zh-CN" altLang="en-US"/>
           </a:p>
@@ -2234,7 +2240,7 @@
           <a:p>
             <a:fld id="{81BAF71E-E141-4CCB-B802-F59941D02D15}" type="datetimeFigureOut">
               <a:rPr lang="zh-CN" altLang="en-US" smtClean="0"/>
-              <a:t>2024/6/10</a:t>
+              <a:t>2024/6/16</a:t>
             </a:fld>
             <a:endParaRPr lang="zh-CN" altLang="en-US"/>
           </a:p>
@@ -2405,7 +2411,7 @@
           <a:p>
             <a:fld id="{81BAF71E-E141-4CCB-B802-F59941D02D15}" type="datetimeFigureOut">
               <a:rPr lang="zh-CN" altLang="en-US" smtClean="0"/>
-              <a:t>2024/6/10</a:t>
+              <a:t>2024/6/16</a:t>
             </a:fld>
             <a:endParaRPr lang="zh-CN" altLang="en-US"/>
           </a:p>
@@ -2759,7 +2765,7 @@
           <a:p>
             <a:fld id="{81BAF71E-E141-4CCB-B802-F59941D02D15}" type="datetimeFigureOut">
               <a:rPr lang="zh-CN" altLang="en-US" smtClean="0"/>
-              <a:t>2024/6/10</a:t>
+              <a:t>2024/6/16</a:t>
             </a:fld>
             <a:endParaRPr lang="zh-CN" altLang="en-US"/>
           </a:p>
@@ -3141,7 +3147,7 @@
           <a:p>
             <a:fld id="{81BAF71E-E141-4CCB-B802-F59941D02D15}" type="datetimeFigureOut">
               <a:rPr lang="zh-CN" altLang="en-US" smtClean="0"/>
-              <a:t>2024/6/10</a:t>
+              <a:t>2024/6/16</a:t>
             </a:fld>
             <a:endParaRPr lang="zh-CN" altLang="en-US"/>
           </a:p>
@@ -3428,7 +3434,7 @@
           <a:p>
             <a:fld id="{81BAF71E-E141-4CCB-B802-F59941D02D15}" type="datetimeFigureOut">
               <a:rPr lang="zh-CN" altLang="en-US" smtClean="0"/>
-              <a:t>2024/6/10</a:t>
+              <a:t>2024/6/16</a:t>
             </a:fld>
             <a:endParaRPr lang="zh-CN" altLang="en-US"/>
           </a:p>
@@ -4258,6 +4264,150 @@
 </p:sld>
 </file>
 
+<file path=ppt/slides/slide12.xml><?xml version="1.0" encoding="utf-8"?>
+<p:sld xmlns:a="http://schemas.openxmlformats.org/drawingml/2006/main" xmlns:r="http://schemas.openxmlformats.org/officeDocument/2006/relationships" xmlns:p="http://schemas.openxmlformats.org/presentationml/2006/main">
+  <p:cSld>
+    <p:spTree>
+      <p:nvGrpSpPr>
+        <p:cNvPr id="1" name=""/>
+        <p:cNvGrpSpPr/>
+        <p:nvPr/>
+      </p:nvGrpSpPr>
+      <p:grpSpPr>
+        <a:xfrm>
+          <a:off x="0" y="0"/>
+          <a:ext cx="0" cy="0"/>
+          <a:chOff x="0" y="0"/>
+          <a:chExt cx="0" cy="0"/>
+        </a:xfrm>
+      </p:grpSpPr>
+      <p:sp>
+        <p:nvSpPr>
+          <p:cNvPr id="8" name="文本框 7">
+            <a:extLst>
+              <a:ext uri="{FF2B5EF4-FFF2-40B4-BE49-F238E27FC236}">
+                <a16:creationId xmlns:a16="http://schemas.microsoft.com/office/drawing/2014/main" id="{5F19C1F3-C639-AEB0-D550-226006C68809}"/>
+              </a:ext>
+            </a:extLst>
+          </p:cNvPr>
+          <p:cNvSpPr txBox="1"/>
+          <p:nvPr/>
+        </p:nvSpPr>
+        <p:spPr>
+          <a:xfrm>
+            <a:off x="763570" y="259236"/>
+            <a:ext cx="4355185" cy="461665"/>
+          </a:xfrm>
+          <a:prstGeom prst="rect">
+            <a:avLst/>
+          </a:prstGeom>
+          <a:noFill/>
+        </p:spPr>
+        <p:txBody>
+          <a:bodyPr wrap="square" rtlCol="0">
+            <a:spAutoFit/>
+          </a:bodyPr>
+          <a:lstStyle/>
+          <a:p>
+            <a:r>
+              <a:rPr lang="en-US" altLang="zh-CN" sz="2400" dirty="0"/>
+              <a:t>8.</a:t>
+            </a:r>
+            <a:r>
+              <a:rPr lang="zh-CN" altLang="en-US" sz="2400" dirty="0"/>
+              <a:t>附录</a:t>
+            </a:r>
+          </a:p>
+        </p:txBody>
+      </p:sp>
+      <p:sp>
+        <p:nvSpPr>
+          <p:cNvPr id="5" name="文本框 4">
+            <a:extLst>
+              <a:ext uri="{FF2B5EF4-FFF2-40B4-BE49-F238E27FC236}">
+                <a16:creationId xmlns:a16="http://schemas.microsoft.com/office/drawing/2014/main" id="{3CD14A87-14AD-6227-114A-ED5C81DE52B2}"/>
+              </a:ext>
+            </a:extLst>
+          </p:cNvPr>
+          <p:cNvSpPr txBox="1"/>
+          <p:nvPr/>
+        </p:nvSpPr>
+        <p:spPr>
+          <a:xfrm>
+            <a:off x="1397932" y="1410332"/>
+            <a:ext cx="9219416" cy="646331"/>
+          </a:xfrm>
+          <a:prstGeom prst="rect">
+            <a:avLst/>
+          </a:prstGeom>
+          <a:noFill/>
+        </p:spPr>
+        <p:txBody>
+          <a:bodyPr wrap="square" rtlCol="0">
+            <a:spAutoFit/>
+          </a:bodyPr>
+          <a:lstStyle/>
+          <a:p>
+            <a:r>
+              <a:rPr lang="zh-CN" altLang="en-US" dirty="0"/>
+              <a:t>团建</a:t>
+            </a:r>
+            <a:endParaRPr lang="en-US" altLang="zh-CN" dirty="0"/>
+          </a:p>
+          <a:p>
+            <a:endParaRPr lang="zh-CN" altLang="en-US" dirty="0"/>
+          </a:p>
+        </p:txBody>
+      </p:sp>
+      <p:pic>
+        <p:nvPicPr>
+          <p:cNvPr id="3" name="图片 2">
+            <a:extLst>
+              <a:ext uri="{FF2B5EF4-FFF2-40B4-BE49-F238E27FC236}">
+                <a16:creationId xmlns:a16="http://schemas.microsoft.com/office/drawing/2014/main" id="{33C9C839-6CF5-A5BF-9140-FBB20B5D98CA}"/>
+              </a:ext>
+            </a:extLst>
+          </p:cNvPr>
+          <p:cNvPicPr>
+            <a:picLocks noChangeAspect="1"/>
+          </p:cNvPicPr>
+          <p:nvPr/>
+        </p:nvPicPr>
+        <p:blipFill>
+          <a:blip r:embed="rId2">
+            <a:extLst>
+              <a:ext uri="{28A0092B-C50C-407E-A947-70E740481C1C}">
+                <a14:useLocalDpi xmlns:a14="http://schemas.microsoft.com/office/drawing/2010/main" val="0"/>
+              </a:ext>
+            </a:extLst>
+          </a:blip>
+          <a:stretch>
+            <a:fillRect/>
+          </a:stretch>
+        </p:blipFill>
+        <p:spPr>
+          <a:xfrm>
+            <a:off x="3858802" y="735687"/>
+            <a:ext cx="7183571" cy="5386626"/>
+          </a:xfrm>
+          <a:prstGeom prst="rect">
+            <a:avLst/>
+          </a:prstGeom>
+        </p:spPr>
+      </p:pic>
+    </p:spTree>
+    <p:extLst>
+      <p:ext uri="{BB962C8B-B14F-4D97-AF65-F5344CB8AC3E}">
+        <p14:creationId xmlns:p14="http://schemas.microsoft.com/office/powerpoint/2010/main" val="1939283181"/>
+      </p:ext>
+    </p:extLst>
+  </p:cSld>
+  <p:clrMapOvr>
+    <a:masterClrMapping/>
+  </p:clrMapOvr>
+</p:sld>
+</file>
+
 <file path=ppt/slides/slide2.xml><?xml version="1.0" encoding="utf-8"?>
 <p:sld xmlns:a="http://schemas.openxmlformats.org/drawingml/2006/main" xmlns:r="http://schemas.openxmlformats.org/officeDocument/2006/relationships" xmlns:p="http://schemas.openxmlformats.org/presentationml/2006/main">
   <p:cSld>
